--- a/Project Presentation.pptx
+++ b/Project Presentation.pptx
@@ -290,7 +290,7 @@
           <a:p>
             <a:fld id="{1160EA64-D806-43AC-9DF2-F8C432F32B4C}" type="datetimeFigureOut">
               <a:rPr lang="en-US" dirty="0"/>
-              <a:t>12/16/2020</a:t>
+              <a:t>12/17/2020</a:t>
             </a:fld>
             <a:endParaRPr lang="en-US" dirty="0"/>
           </a:p>
@@ -456,7 +456,7 @@
           <a:p>
             <a:fld id="{E9F9C37B-1D36-470B-8223-D6C91242EC14}" type="datetimeFigureOut">
               <a:rPr lang="en-US" dirty="0"/>
-              <a:t>12/16/2020</a:t>
+              <a:t>12/17/2020</a:t>
             </a:fld>
             <a:endParaRPr lang="en-US" dirty="0"/>
           </a:p>
@@ -631,7 +631,7 @@
           <a:p>
             <a:fld id="{67C6F52A-A82B-47A2-A83A-8C4C91F2D59F}" type="datetimeFigureOut">
               <a:rPr lang="en-US" dirty="0"/>
-              <a:t>12/16/2020</a:t>
+              <a:t>12/17/2020</a:t>
             </a:fld>
             <a:endParaRPr lang="en-US" dirty="0"/>
           </a:p>
@@ -796,7 +796,7 @@
           <a:p>
             <a:fld id="{F070A7B3-6521-4DCA-87E5-044747A908C1}" type="datetimeFigureOut">
               <a:rPr lang="en-US" dirty="0"/>
-              <a:t>12/16/2020</a:t>
+              <a:t>12/17/2020</a:t>
             </a:fld>
             <a:endParaRPr lang="en-US" dirty="0"/>
           </a:p>
@@ -1060,7 +1060,7 @@
           <a:p>
             <a:fld id="{1160EA64-D806-43AC-9DF2-F8C432F32B4C}" type="datetimeFigureOut">
               <a:rPr lang="en-US" dirty="0"/>
-              <a:t>12/16/2020</a:t>
+              <a:t>12/17/2020</a:t>
             </a:fld>
             <a:endParaRPr lang="en-US" dirty="0"/>
           </a:p>
@@ -1288,7 +1288,7 @@
           <a:p>
             <a:fld id="{AB134690-1557-4C89-A502-4959FE7FAD70}" type="datetimeFigureOut">
               <a:rPr lang="en-US" dirty="0"/>
-              <a:t>12/16/2020</a:t>
+              <a:t>12/17/2020</a:t>
             </a:fld>
             <a:endParaRPr lang="en-US" dirty="0"/>
           </a:p>
@@ -1642,7 +1642,7 @@
           <a:p>
             <a:fld id="{4F7D4976-E339-4826-83B7-FBD03F55ECF8}" type="datetimeFigureOut">
               <a:rPr lang="en-US" dirty="0"/>
-              <a:t>12/16/2020</a:t>
+              <a:t>12/17/2020</a:t>
             </a:fld>
             <a:endParaRPr lang="en-US" dirty="0"/>
           </a:p>
@@ -1778,7 +1778,7 @@
           <a:p>
             <a:fld id="{E1037C31-9E7A-4F99-8774-A0E530DE1A42}" type="datetimeFigureOut">
               <a:rPr lang="en-US" dirty="0"/>
-              <a:t>12/16/2020</a:t>
+              <a:t>12/17/2020</a:t>
             </a:fld>
             <a:endParaRPr lang="en-US" dirty="0"/>
           </a:p>
@@ -1868,7 +1868,7 @@
           <a:p>
             <a:fld id="{C278504F-A551-4DE0-9316-4DCD1D8CC752}" type="datetimeFigureOut">
               <a:rPr lang="en-US" dirty="0"/>
-              <a:t>12/16/2020</a:t>
+              <a:t>12/17/2020</a:t>
             </a:fld>
             <a:endParaRPr lang="en-US" dirty="0"/>
           </a:p>
@@ -2220,7 +2220,7 @@
           <a:p>
             <a:fld id="{D1BE4249-C0D0-4B06-8692-E8BB871AF643}" type="datetimeFigureOut">
               <a:rPr lang="en-US" dirty="0"/>
-              <a:t>12/16/2020</a:t>
+              <a:t>12/17/2020</a:t>
             </a:fld>
             <a:endParaRPr lang="en-US" dirty="0"/>
           </a:p>
@@ -2572,7 +2572,7 @@
           <a:p>
             <a:fld id="{042B0DB6-F5C7-45FB-8CF3-31B45F9C2DAC}" type="datetimeFigureOut">
               <a:rPr lang="en-US" dirty="0"/>
-              <a:t>12/16/2020</a:t>
+              <a:t>12/17/2020</a:t>
             </a:fld>
             <a:endParaRPr lang="en-US" dirty="0"/>
           </a:p>
@@ -2809,7 +2809,7 @@
           <a:p>
             <a:fld id="{1160EA64-D806-43AC-9DF2-F8C432F32B4C}" type="datetimeFigureOut">
               <a:rPr lang="en-US" dirty="0"/>
-              <a:t>12/16/2020</a:t>
+              <a:t>12/17/2020</a:t>
             </a:fld>
             <a:endParaRPr lang="en-US" dirty="0"/>
           </a:p>
@@ -3861,7 +3861,7 @@
           <a:p>
             <a:r>
               <a:rPr lang="en-GB" dirty="0"/>
-              <a:t>Updating Item was prolonged until a later sprint as from previous project, updating items took longer than predicted. (MVP)</a:t>
+              <a:t>Updating Item was prolonged until a later sprint because from previous project, updating items took longer than predicted. (MVP)</a:t>
             </a:r>
           </a:p>
           <a:p>
@@ -4744,6 +4744,13 @@
             <a:pPr lvl="1"/>
             <a:r>
               <a:rPr lang="en-GB" dirty="0"/>
+              <a:t>Refresh the page when adding items</a:t>
+            </a:r>
+          </a:p>
+          <a:p>
+            <a:pPr lvl="1"/>
+            <a:r>
+              <a:rPr lang="en-GB" dirty="0"/>
               <a:t>Remove the vulnerabilities shown in SonarQube</a:t>
             </a:r>
           </a:p>
@@ -5027,13 +5034,6 @@
           <a:p>
             <a:pPr lvl="1"/>
             <a:r>
-              <a:rPr lang="en-GB" dirty="0"/>
-              <a:t>Used last project as guide on how to build the whole system</a:t>
-            </a:r>
-          </a:p>
-          <a:p>
-            <a:pPr lvl="1"/>
-            <a:r>
               <a:rPr lang="en-GB" dirty="0">
                 <a:solidFill>
                   <a:schemeClr val="tx1"/>
@@ -5283,15 +5283,14 @@
           <a:p>
             <a:r>
               <a:rPr lang="en-GB" dirty="0"/>
-              <a:t>Knew Java, Junit, Maven, Jira, HTML from previous project</a:t>
-            </a:r>
-          </a:p>
-          <a:p>
-            <a:r>
-              <a:rPr lang="en-GB" dirty="0" err="1"/>
-              <a:t>Javascript</a:t>
-            </a:r>
-            <a:endParaRPr lang="en-GB" dirty="0"/>
+              <a:t>Knew Java, Junit, Maven, Jira, from previous project</a:t>
+            </a:r>
+          </a:p>
+          <a:p>
+            <a:r>
+              <a:rPr lang="en-GB" dirty="0"/>
+              <a:t>HTML and JavaScript from Uni, but never went well</a:t>
+            </a:r>
           </a:p>
           <a:p>
             <a:r>

--- a/Project Presentation.pptx
+++ b/Project Presentation.pptx
@@ -4237,7 +4237,7 @@
         </p:spPr>
         <p:txBody>
           <a:bodyPr>
-            <a:normAutofit/>
+            <a:normAutofit fontScale="92500" lnSpcReduction="20000"/>
           </a:bodyPr>
           <a:lstStyle/>
           <a:p>
@@ -4245,6 +4245,17 @@
               <a:rPr lang="en-GB" dirty="0"/>
               <a:t>Was to do with items and lists</a:t>
             </a:r>
+          </a:p>
+          <a:p>
+            <a:r>
+              <a:rPr lang="en-GB" dirty="0"/>
+              <a:t>Had a few </a:t>
+            </a:r>
+            <a:r>
+              <a:rPr lang="en-GB"/>
+              <a:t>issues with CORS</a:t>
+            </a:r>
+            <a:endParaRPr lang="en-GB" dirty="0"/>
           </a:p>
           <a:p>
             <a:r>
